--- a/Venom.pptx
+++ b/Venom.pptx
@@ -44,7 +44,7 @@
       <p:boldItalic r:id="rId24"/>
     </p:embeddedFont>
     <p:embeddedFont>
-      <p:font typeface="Roboto Mono Thin" panose="020B0604020202020204" charset="0"/>
+      <p:font typeface="Roboto Mono Thin" panose="02070309020205020404" pitchFamily="49" charset="0"/>
       <p:regular r:id="rId25"/>
       <p:bold r:id="rId26"/>
       <p:italic r:id="rId27"/>
@@ -1079,8 +1079,13 @@
             </a:pPr>
             <a:r>
               <a:rPr lang="hu-HU"/>
-              <a:t>Legismertebb böngészők</a:t>
+              <a:t>Legismertebb</a:t>
             </a:r>
+            <a:r>
+              <a:rPr lang="hu-HU" baseline="0"/>
+              <a:t> kommunikációs szoftverek</a:t>
+            </a:r>
+            <a:endParaRPr lang="hu-HU"/>
           </a:p>
         </c:rich>
       </c:tx>
@@ -1195,58 +1200,34 @@
           <c:invertIfNegative val="0"/>
           <c:cat>
             <c:strRef>
-              <c:f>Munka1!$A$7:$G$7</c:f>
+              <c:f>Munka1!$A$13:$C$13</c:f>
               <c:strCache>
-                <c:ptCount val="7"/>
+                <c:ptCount val="3"/>
                 <c:pt idx="0">
-                  <c:v>Brave</c:v>
+                  <c:v>Discord</c:v>
                 </c:pt>
                 <c:pt idx="1">
-                  <c:v>Chrome</c:v>
+                  <c:v>Skype</c:v>
                 </c:pt>
                 <c:pt idx="2">
-                  <c:v>Edge</c:v>
-                </c:pt>
-                <c:pt idx="3">
-                  <c:v>Explorer</c:v>
-                </c:pt>
-                <c:pt idx="4">
-                  <c:v>Firefox</c:v>
-                </c:pt>
-                <c:pt idx="5">
-                  <c:v>Opera</c:v>
-                </c:pt>
-                <c:pt idx="6">
-                  <c:v>Safari</c:v>
+                  <c:v>Teams</c:v>
                 </c:pt>
               </c:strCache>
             </c:strRef>
           </c:cat>
           <c:val>
             <c:numRef>
-              <c:f>Munka1!$A$8:$G$8</c:f>
+              <c:f>Munka1!$A$14:$C$14</c:f>
               <c:numCache>
                 <c:formatCode>General</c:formatCode>
-                <c:ptCount val="7"/>
+                <c:ptCount val="3"/>
                 <c:pt idx="0">
-                  <c:v>27</c:v>
+                  <c:v>40</c:v>
                 </c:pt>
                 <c:pt idx="1">
-                  <c:v>49</c:v>
+                  <c:v>48</c:v>
                 </c:pt>
                 <c:pt idx="2">
-                  <c:v>38</c:v>
-                </c:pt>
-                <c:pt idx="3">
-                  <c:v>36</c:v>
-                </c:pt>
-                <c:pt idx="4">
-                  <c:v>49</c:v>
-                </c:pt>
-                <c:pt idx="5">
-                  <c:v>34</c:v>
-                </c:pt>
-                <c:pt idx="6">
                   <c:v>32</c:v>
                 </c:pt>
               </c:numCache>
@@ -1254,7 +1235,7 @@
           </c:val>
           <c:extLst>
             <c:ext xmlns:c16="http://schemas.microsoft.com/office/drawing/2014/chart" uri="{C3380CC4-5D6E-409C-BE32-E72D297353CC}">
-              <c16:uniqueId val="{00000000-60F7-4790-95DE-CE9BA1793514}"/>
+              <c16:uniqueId val="{00000000-3E03-46CD-9D0C-F20B9FC1DFE3}"/>
             </c:ext>
           </c:extLst>
         </c:ser>
@@ -1268,12 +1249,12 @@
         </c:dLbls>
         <c:gapWidth val="150"/>
         <c:shape val="box"/>
-        <c:axId val="878795120"/>
-        <c:axId val="878800528"/>
+        <c:axId val="984902752"/>
+        <c:axId val="984920640"/>
         <c:axId val="0"/>
       </c:bar3DChart>
       <c:catAx>
-        <c:axId val="878795120"/>
+        <c:axId val="984902752"/>
         <c:scaling>
           <c:orientation val="minMax"/>
         </c:scaling>
@@ -1309,7 +1290,7 @@
             <a:endParaRPr lang="hu-HU"/>
           </a:p>
         </c:txPr>
-        <c:crossAx val="878800528"/>
+        <c:crossAx val="984920640"/>
         <c:crosses val="autoZero"/>
         <c:auto val="1"/>
         <c:lblAlgn val="ctr"/>
@@ -1317,7 +1298,7 @@
         <c:noMultiLvlLbl val="0"/>
       </c:catAx>
       <c:valAx>
-        <c:axId val="878800528"/>
+        <c:axId val="984920640"/>
         <c:scaling>
           <c:orientation val="minMax"/>
         </c:scaling>
@@ -1367,7 +1348,7 @@
             <a:endParaRPr lang="hu-HU"/>
           </a:p>
         </c:txPr>
-        <c:crossAx val="878795120"/>
+        <c:crossAx val="984902752"/>
         <c:crosses val="autoZero"/>
         <c:crossBetween val="between"/>
       </c:valAx>
@@ -1650,7 +1631,7 @@
           </c:val>
           <c:extLst>
             <c:ext xmlns:c16="http://schemas.microsoft.com/office/drawing/2014/chart" uri="{C3380CC4-5D6E-409C-BE32-E72D297353CC}">
-              <c16:uniqueId val="{00000000-6920-40E1-90ED-6406971FC96F}"/>
+              <c16:uniqueId val="{00000000-60F7-4790-95DE-CE9BA1793514}"/>
             </c:ext>
           </c:extLst>
         </c:ser>
@@ -25294,6 +25275,36 @@
           <a:chExt cx="0" cy="0"/>
         </a:xfrm>
       </p:grpSpPr>
+      <p:graphicFrame>
+        <p:nvGraphicFramePr>
+          <p:cNvPr id="4" name="Diagram 3">
+            <a:extLst>
+              <a:ext uri="{FF2B5EF4-FFF2-40B4-BE49-F238E27FC236}">
+                <a16:creationId xmlns:a16="http://schemas.microsoft.com/office/drawing/2014/main" id="{C1CF8D16-3C97-453E-96DC-659FAD2A7572}"/>
+              </a:ext>
+            </a:extLst>
+          </p:cNvPr>
+          <p:cNvGraphicFramePr>
+            <a:graphicFrameLocks/>
+          </p:cNvGraphicFramePr>
+          <p:nvPr>
+            <p:extLst>
+              <p:ext uri="{D42A27DB-BD31-4B8C-83A1-F6EECF244321}">
+                <p14:modId xmlns:p14="http://schemas.microsoft.com/office/powerpoint/2010/main" val="2724381008"/>
+              </p:ext>
+            </p:extLst>
+          </p:nvPr>
+        </p:nvGraphicFramePr>
+        <p:xfrm>
+          <a:off x="4724430" y="1697824"/>
+          <a:ext cx="3983181" cy="2537112"/>
+        </p:xfrm>
+        <a:graphic>
+          <a:graphicData uri="http://schemas.openxmlformats.org/drawingml/2006/chart">
+            <c:chart xmlns:c="http://schemas.openxmlformats.org/drawingml/2006/chart" xmlns:r="http://schemas.openxmlformats.org/officeDocument/2006/relationships" r:id="rId3"/>
+          </a:graphicData>
+        </a:graphic>
+      </p:graphicFrame>
       <p:sp>
         <p:nvSpPr>
           <p:cNvPr id="218" name="Google Shape;218;p23"/>
@@ -25385,36 +25396,6 @@
         <p:xfrm>
           <a:off x="436391" y="1705633"/>
           <a:ext cx="3983181" cy="2537112"/>
-        </p:xfrm>
-        <a:graphic>
-          <a:graphicData uri="http://schemas.openxmlformats.org/drawingml/2006/chart">
-            <c:chart xmlns:c="http://schemas.openxmlformats.org/drawingml/2006/chart" xmlns:r="http://schemas.openxmlformats.org/officeDocument/2006/relationships" r:id="rId3"/>
-          </a:graphicData>
-        </a:graphic>
-      </p:graphicFrame>
-      <p:graphicFrame>
-        <p:nvGraphicFramePr>
-          <p:cNvPr id="3" name="Diagram 2">
-            <a:extLst>
-              <a:ext uri="{FF2B5EF4-FFF2-40B4-BE49-F238E27FC236}">
-                <a16:creationId xmlns:a16="http://schemas.microsoft.com/office/drawing/2014/main" id="{04F29B72-0D21-4E36-9A95-6EA6616CA850}"/>
-              </a:ext>
-            </a:extLst>
-          </p:cNvPr>
-          <p:cNvGraphicFramePr>
-            <a:graphicFrameLocks/>
-          </p:cNvGraphicFramePr>
-          <p:nvPr>
-            <p:extLst>
-              <p:ext uri="{D42A27DB-BD31-4B8C-83A1-F6EECF244321}">
-                <p14:modId xmlns:p14="http://schemas.microsoft.com/office/powerpoint/2010/main" val="3605053100"/>
-              </p:ext>
-            </p:extLst>
-          </p:nvPr>
-        </p:nvGraphicFramePr>
-        <p:xfrm>
-          <a:off x="4724430" y="1697824"/>
-          <a:ext cx="3983181" cy="2544921"/>
         </p:xfrm>
         <a:graphic>
           <a:graphicData uri="http://schemas.openxmlformats.org/drawingml/2006/chart">
